--- a/LR課題_報告書.pptx
+++ b/LR課題_報告書.pptx
@@ -5772,74 +5772,12 @@
           <a:chExt cx="0" cy="0"/>
         </a:xfrm>
       </p:grpSpPr>
-      <p:sp>
-        <p:nvSpPr>
-          <p:cNvPr id="2" name="タイトル 1">
+      <p:pic>
+        <p:nvPicPr>
+          <p:cNvPr id="9" name="図 8">
             <a:extLst>
               <a:ext uri="{FF2B5EF4-FFF2-40B4-BE49-F238E27FC236}">
-                <a16:creationId xmlns:a16="http://schemas.microsoft.com/office/drawing/2014/main" id="{CFFC6862-9BF8-43C0-7AC0-183EC1960922}"/>
-              </a:ext>
-            </a:extLst>
-          </p:cNvPr>
-          <p:cNvSpPr>
-            <a:spLocks noGrp="1"/>
-          </p:cNvSpPr>
-          <p:nvPr>
-            <p:ph type="title"/>
-          </p:nvPr>
-        </p:nvSpPr>
-        <p:spPr>
-          <a:xfrm>
-            <a:off x="153082" y="127053"/>
-            <a:ext cx="7886700" cy="1325563"/>
-          </a:xfrm>
-        </p:spPr>
-        <p:txBody>
-          <a:bodyPr/>
-          <a:lstStyle/>
-          <a:p>
-            <a:r>
-              <a:rPr kumimoji="1" lang="ja-JP" altLang="en-US" dirty="0"/>
-              <a:t>シミュレーション結果</a:t>
-            </a:r>
-          </a:p>
-        </p:txBody>
-      </p:sp>
-      <p:sp>
-        <p:nvSpPr>
-          <p:cNvPr id="3" name="スライド番号プレースホルダー 2">
-            <a:extLst>
-              <a:ext uri="{FF2B5EF4-FFF2-40B4-BE49-F238E27FC236}">
-                <a16:creationId xmlns:a16="http://schemas.microsoft.com/office/drawing/2014/main" id="{EA72A466-D6A6-F3FC-83A9-6D50EE9CAAEE}"/>
-              </a:ext>
-            </a:extLst>
-          </p:cNvPr>
-          <p:cNvSpPr>
-            <a:spLocks noGrp="1"/>
-          </p:cNvSpPr>
-          <p:nvPr>
-            <p:ph type="sldNum" sz="quarter" idx="12"/>
-          </p:nvPr>
-        </p:nvSpPr>
-        <p:spPr/>
-        <p:txBody>
-          <a:bodyPr/>
-          <a:lstStyle/>
-          <a:p>
-            <a:fld id="{8E54C326-97E4-4F40-A447-F041AC4A58B3}" type="slidenum">
-              <a:rPr kumimoji="1" lang="ja-JP" altLang="en-US" smtClean="0"/>
-              <a:t>5</a:t>
-            </a:fld>
-            <a:endParaRPr kumimoji="1" lang="ja-JP" altLang="en-US"/>
-          </a:p>
-        </p:txBody>
-      </p:sp>
-      <p:pic>
-        <p:nvPicPr>
-          <p:cNvPr id="5" name="図 4">
-            <a:extLst>
-              <a:ext uri="{FF2B5EF4-FFF2-40B4-BE49-F238E27FC236}">
-                <a16:creationId xmlns:a16="http://schemas.microsoft.com/office/drawing/2014/main" id="{1BDAAF82-8DB8-5A0F-5866-58805E1A4C0E}"/>
+                <a16:creationId xmlns:a16="http://schemas.microsoft.com/office/drawing/2014/main" id="{BECFDEF5-E9A2-A8D8-DCA4-874F5303F254}"/>
               </a:ext>
             </a:extLst>
           </p:cNvPr>
@@ -5856,14 +5794,76 @@
         </p:blipFill>
         <p:spPr>
           <a:xfrm>
-            <a:off x="153082" y="1902241"/>
-            <a:ext cx="5993946" cy="4241456"/>
+            <a:off x="336299" y="2186228"/>
+            <a:ext cx="5442498" cy="4068522"/>
           </a:xfrm>
           <a:prstGeom prst="rect">
             <a:avLst/>
           </a:prstGeom>
         </p:spPr>
       </p:pic>
+      <p:sp>
+        <p:nvSpPr>
+          <p:cNvPr id="2" name="タイトル 1">
+            <a:extLst>
+              <a:ext uri="{FF2B5EF4-FFF2-40B4-BE49-F238E27FC236}">
+                <a16:creationId xmlns:a16="http://schemas.microsoft.com/office/drawing/2014/main" id="{CFFC6862-9BF8-43C0-7AC0-183EC1960922}"/>
+              </a:ext>
+            </a:extLst>
+          </p:cNvPr>
+          <p:cNvSpPr>
+            <a:spLocks noGrp="1"/>
+          </p:cNvSpPr>
+          <p:nvPr>
+            <p:ph type="title"/>
+          </p:nvPr>
+        </p:nvSpPr>
+        <p:spPr>
+          <a:xfrm>
+            <a:off x="153082" y="127053"/>
+            <a:ext cx="7886700" cy="1325563"/>
+          </a:xfrm>
+        </p:spPr>
+        <p:txBody>
+          <a:bodyPr/>
+          <a:lstStyle/>
+          <a:p>
+            <a:r>
+              <a:rPr kumimoji="1" lang="ja-JP" altLang="en-US" dirty="0"/>
+              <a:t>シミュレーション結果</a:t>
+            </a:r>
+          </a:p>
+        </p:txBody>
+      </p:sp>
+      <p:sp>
+        <p:nvSpPr>
+          <p:cNvPr id="3" name="スライド番号プレースホルダー 2">
+            <a:extLst>
+              <a:ext uri="{FF2B5EF4-FFF2-40B4-BE49-F238E27FC236}">
+                <a16:creationId xmlns:a16="http://schemas.microsoft.com/office/drawing/2014/main" id="{EA72A466-D6A6-F3FC-83A9-6D50EE9CAAEE}"/>
+              </a:ext>
+            </a:extLst>
+          </p:cNvPr>
+          <p:cNvSpPr>
+            <a:spLocks noGrp="1"/>
+          </p:cNvSpPr>
+          <p:nvPr>
+            <p:ph type="sldNum" sz="quarter" idx="12"/>
+          </p:nvPr>
+        </p:nvSpPr>
+        <p:spPr/>
+        <p:txBody>
+          <a:bodyPr/>
+          <a:lstStyle/>
+          <a:p>
+            <a:fld id="{8E54C326-97E4-4F40-A447-F041AC4A58B3}" type="slidenum">
+              <a:rPr kumimoji="1" lang="ja-JP" altLang="en-US" smtClean="0"/>
+              <a:t>5</a:t>
+            </a:fld>
+            <a:endParaRPr kumimoji="1" lang="ja-JP" altLang="en-US"/>
+          </a:p>
+        </p:txBody>
+      </p:sp>
       <p:pic>
         <p:nvPicPr>
           <p:cNvPr id="7" name="図 6">
@@ -5960,7 +5960,7 @@
         </p:nvSpPr>
         <p:spPr>
           <a:xfrm>
-            <a:off x="548463" y="6148961"/>
+            <a:off x="548463" y="6186229"/>
             <a:ext cx="4275176" cy="369332"/>
           </a:xfrm>
           <a:prstGeom prst="rect">
@@ -6089,7 +6089,7 @@
         <p:spPr>
           <a:xfrm>
             <a:off x="2512829" y="1880975"/>
-            <a:ext cx="0" cy="926018"/>
+            <a:ext cx="0" cy="1040025"/>
           </a:xfrm>
           <a:prstGeom prst="straightConnector1">
             <a:avLst/>
@@ -6132,8 +6132,8 @@
         </p:nvCxnSpPr>
         <p:spPr>
           <a:xfrm>
-            <a:off x="3632792" y="1880975"/>
-            <a:ext cx="0" cy="1627766"/>
+            <a:off x="3518492" y="1878343"/>
+            <a:ext cx="0" cy="1760207"/>
           </a:xfrm>
           <a:prstGeom prst="straightConnector1">
             <a:avLst/>
@@ -6176,7 +6176,7 @@
         </p:nvCxnSpPr>
         <p:spPr>
           <a:xfrm>
-            <a:off x="4720856" y="1880975"/>
+            <a:off x="4524006" y="1926363"/>
             <a:ext cx="0" cy="1989273"/>
           </a:xfrm>
           <a:prstGeom prst="straightConnector1">
@@ -6219,9 +6219,9 @@
           <p:nvPr/>
         </p:nvCxnSpPr>
         <p:spPr>
-          <a:xfrm>
-            <a:off x="5830186" y="1859709"/>
-            <a:ext cx="0" cy="1989273"/>
+          <a:xfrm flipH="1">
+            <a:off x="5403850" y="1859709"/>
+            <a:ext cx="426336" cy="2102691"/>
           </a:xfrm>
           <a:prstGeom prst="straightConnector1">
             <a:avLst/>
@@ -6535,7 +6535,7 @@
                   <a:srgbClr val="FF0000"/>
                 </a:solidFill>
               </a:rPr>
-              <a:t>としての動作は確認</a:t>
+              <a:t>としての動作を確認</a:t>
             </a:r>
           </a:p>
         </p:txBody>
@@ -6629,10 +6629,10 @@
       </p:sp>
       <p:pic>
         <p:nvPicPr>
-          <p:cNvPr id="5" name="図 4">
+          <p:cNvPr id="6" name="図 5">
             <a:extLst>
               <a:ext uri="{FF2B5EF4-FFF2-40B4-BE49-F238E27FC236}">
-                <a16:creationId xmlns:a16="http://schemas.microsoft.com/office/drawing/2014/main" id="{94935846-9A90-12BC-D8DA-016B3955D480}"/>
+                <a16:creationId xmlns:a16="http://schemas.microsoft.com/office/drawing/2014/main" id="{ECBE9124-779D-F530-46D8-B0FA50503694}"/>
               </a:ext>
             </a:extLst>
           </p:cNvPr>
@@ -6643,27 +6643,386 @@
         </p:nvPicPr>
         <p:blipFill>
           <a:blip r:embed="rId2"/>
-          <a:srcRect t="80583"/>
           <a:stretch>
             <a:fillRect/>
           </a:stretch>
         </p:blipFill>
         <p:spPr>
           <a:xfrm>
-            <a:off x="446125" y="1810461"/>
-            <a:ext cx="7984165" cy="1097040"/>
+            <a:off x="313882" y="2891685"/>
+            <a:ext cx="8248650" cy="1504950"/>
           </a:xfrm>
           <a:prstGeom prst="rect">
             <a:avLst/>
           </a:prstGeom>
         </p:spPr>
       </p:pic>
+      <p:sp>
+        <p:nvSpPr>
+          <p:cNvPr id="7" name="テキスト ボックス 6">
+            <a:extLst>
+              <a:ext uri="{FF2B5EF4-FFF2-40B4-BE49-F238E27FC236}">
+                <a16:creationId xmlns:a16="http://schemas.microsoft.com/office/drawing/2014/main" id="{77FDD5F0-6725-9573-08E2-4BB4087854D7}"/>
+              </a:ext>
+            </a:extLst>
+          </p:cNvPr>
+          <p:cNvSpPr txBox="1"/>
+          <p:nvPr/>
+        </p:nvSpPr>
+        <p:spPr>
+          <a:xfrm>
+            <a:off x="313882" y="4528235"/>
+            <a:ext cx="8248650" cy="2031325"/>
+          </a:xfrm>
+          <a:prstGeom prst="rect">
+            <a:avLst/>
+          </a:prstGeom>
+          <a:noFill/>
+        </p:spPr>
+        <p:txBody>
+          <a:bodyPr wrap="square" rtlCol="0">
+            <a:spAutoFit/>
+          </a:bodyPr>
+          <a:lstStyle/>
+          <a:p>
+            <a:r>
+              <a:rPr kumimoji="1" lang="ja-JP" altLang="en-US" dirty="0"/>
+              <a:t>シミュレーションの値と理論値では、</a:t>
+            </a:r>
+            <a:r>
+              <a:rPr kumimoji="1" lang="en-US" altLang="ja-JP" dirty="0"/>
+              <a:t>0.003</a:t>
+            </a:r>
+            <a:r>
+              <a:rPr kumimoji="1" lang="ja-JP" altLang="en-US" dirty="0"/>
+              <a:t>～</a:t>
+            </a:r>
+            <a:r>
+              <a:rPr kumimoji="1" lang="en-US" altLang="ja-JP" dirty="0"/>
+              <a:t>5V</a:t>
+            </a:r>
+            <a:r>
+              <a:rPr kumimoji="1" lang="ja-JP" altLang="en-US" dirty="0"/>
+              <a:t>程度の誤差がある</a:t>
+            </a:r>
+            <a:endParaRPr kumimoji="1" lang="en-US" altLang="ja-JP" dirty="0"/>
+          </a:p>
+          <a:p>
+            <a:r>
+              <a:rPr kumimoji="1" lang="en-US" altLang="ja-JP" dirty="0"/>
+              <a:t>DAC</a:t>
+            </a:r>
+            <a:r>
+              <a:rPr kumimoji="1" lang="ja-JP" altLang="en-US" dirty="0"/>
+              <a:t>出力の理論値との差は</a:t>
+            </a:r>
+            <a:r>
+              <a:rPr kumimoji="1" lang="en-US" altLang="ja-JP" dirty="0"/>
+              <a:t>±(1/2)LSB</a:t>
+            </a:r>
+            <a:r>
+              <a:rPr kumimoji="1" lang="ja-JP" altLang="en-US" dirty="0"/>
+              <a:t>でなくてはならない。</a:t>
+            </a:r>
+            <a:endParaRPr kumimoji="1" lang="en-US" altLang="ja-JP" dirty="0"/>
+          </a:p>
+          <a:p>
+            <a:r>
+              <a:rPr kumimoji="1" lang="en-US" altLang="ja-JP" dirty="0"/>
+              <a:t>14bit</a:t>
+            </a:r>
+            <a:r>
+              <a:rPr kumimoji="1" lang="ja-JP" altLang="en-US" dirty="0"/>
+              <a:t>なので、</a:t>
+            </a:r>
+            <a:r>
+              <a:rPr kumimoji="1" lang="en-US" altLang="ja-JP" dirty="0"/>
+              <a:t>LSB=3.3/2^14=0.0002014V=0.2mV</a:t>
+            </a:r>
+          </a:p>
+          <a:p>
+            <a:r>
+              <a:rPr kumimoji="1" lang="ja-JP" altLang="en-US" dirty="0"/>
+              <a:t>よって、許容誤差は</a:t>
+            </a:r>
+            <a:r>
+              <a:rPr kumimoji="1" lang="en-US" altLang="ja-JP" dirty="0"/>
+              <a:t>0.1mV</a:t>
+            </a:r>
+            <a:r>
+              <a:rPr kumimoji="1" lang="ja-JP" altLang="en-US" dirty="0"/>
+              <a:t>である。</a:t>
+            </a:r>
+            <a:endParaRPr kumimoji="1" lang="en-US" altLang="ja-JP" dirty="0"/>
+          </a:p>
+          <a:p>
+            <a:r>
+              <a:rPr kumimoji="1" lang="ja-JP" altLang="en-US" dirty="0"/>
+              <a:t>そのため、まだ</a:t>
+            </a:r>
+            <a:r>
+              <a:rPr kumimoji="1" lang="en-US" altLang="ja-JP" dirty="0"/>
+              <a:t>14bit</a:t>
+            </a:r>
+            <a:r>
+              <a:rPr kumimoji="1" lang="ja-JP" altLang="en-US" dirty="0"/>
+              <a:t>の精度が実現できているとは言えない。</a:t>
+            </a:r>
+            <a:endParaRPr kumimoji="1" lang="en-US" altLang="ja-JP" dirty="0"/>
+          </a:p>
+          <a:p>
+            <a:r>
+              <a:rPr kumimoji="1" lang="ja-JP" altLang="en-US" dirty="0"/>
+              <a:t>原因考察：・容量が小さすぎて寄生容量の影響を受けている</a:t>
+            </a:r>
+            <a:endParaRPr kumimoji="1" lang="en-US" altLang="ja-JP" dirty="0"/>
+          </a:p>
+          <a:p>
+            <a:r>
+              <a:rPr kumimoji="1" lang="ja-JP" altLang="en-US" dirty="0"/>
+              <a:t>　　　　　・スイッチのオン抵抗がキャパシタによって違うため</a:t>
+            </a:r>
+            <a:endParaRPr kumimoji="1" lang="en-US" altLang="ja-JP" dirty="0"/>
+          </a:p>
+        </p:txBody>
+      </p:sp>
+      <p:cxnSp>
+        <p:nvCxnSpPr>
+          <p:cNvPr id="8" name="直線コネクタ 7">
+            <a:extLst>
+              <a:ext uri="{FF2B5EF4-FFF2-40B4-BE49-F238E27FC236}">
+                <a16:creationId xmlns:a16="http://schemas.microsoft.com/office/drawing/2014/main" id="{4C0C761F-6EDA-961E-817B-DF6553E879EE}"/>
+              </a:ext>
+            </a:extLst>
+          </p:cNvPr>
+          <p:cNvCxnSpPr/>
+          <p:nvPr/>
+        </p:nvCxnSpPr>
+        <p:spPr>
+          <a:xfrm flipH="1">
+            <a:off x="4763386" y="3604436"/>
+            <a:ext cx="297712" cy="0"/>
+          </a:xfrm>
+          <a:prstGeom prst="line">
+            <a:avLst/>
+          </a:prstGeom>
+          <a:ln>
+            <a:solidFill>
+              <a:srgbClr val="FF0000"/>
+            </a:solidFill>
+          </a:ln>
+        </p:spPr>
+        <p:style>
+          <a:lnRef idx="2">
+            <a:schemeClr val="accent1"/>
+          </a:lnRef>
+          <a:fillRef idx="0">
+            <a:schemeClr val="accent1"/>
+          </a:fillRef>
+          <a:effectRef idx="1">
+            <a:schemeClr val="accent1"/>
+          </a:effectRef>
+          <a:fontRef idx="minor">
+            <a:schemeClr val="tx1"/>
+          </a:fontRef>
+        </p:style>
+      </p:cxnSp>
+      <p:sp>
+        <p:nvSpPr>
+          <p:cNvPr id="9" name="テキスト ボックス 8">
+            <a:extLst>
+              <a:ext uri="{FF2B5EF4-FFF2-40B4-BE49-F238E27FC236}">
+                <a16:creationId xmlns:a16="http://schemas.microsoft.com/office/drawing/2014/main" id="{1C222702-2BAA-0120-F677-A1045F3A6293}"/>
+              </a:ext>
+            </a:extLst>
+          </p:cNvPr>
+          <p:cNvSpPr txBox="1"/>
+          <p:nvPr/>
+        </p:nvSpPr>
+        <p:spPr>
+          <a:xfrm>
+            <a:off x="4529470" y="3707884"/>
+            <a:ext cx="765544" cy="369332"/>
+          </a:xfrm>
+          <a:prstGeom prst="rect">
+            <a:avLst/>
+          </a:prstGeom>
+          <a:noFill/>
+        </p:spPr>
+        <p:txBody>
+          <a:bodyPr wrap="square" rtlCol="0">
+            <a:spAutoFit/>
+          </a:bodyPr>
+          <a:lstStyle/>
+          <a:p>
+            <a:r>
+              <a:rPr kumimoji="1" lang="en-US" altLang="ja-JP" dirty="0"/>
+              <a:t>1.65</a:t>
+            </a:r>
+            <a:endParaRPr kumimoji="1" lang="ja-JP" altLang="en-US" dirty="0"/>
+          </a:p>
+        </p:txBody>
+      </p:sp>
+      <p:cxnSp>
+        <p:nvCxnSpPr>
+          <p:cNvPr id="10" name="直線コネクタ 9">
+            <a:extLst>
+              <a:ext uri="{FF2B5EF4-FFF2-40B4-BE49-F238E27FC236}">
+                <a16:creationId xmlns:a16="http://schemas.microsoft.com/office/drawing/2014/main" id="{2F857EC3-C549-C348-66D2-A007492DB769}"/>
+              </a:ext>
+            </a:extLst>
+          </p:cNvPr>
+          <p:cNvCxnSpPr/>
+          <p:nvPr/>
+        </p:nvCxnSpPr>
+        <p:spPr>
+          <a:xfrm flipH="1">
+            <a:off x="6309094" y="3595722"/>
+            <a:ext cx="297712" cy="0"/>
+          </a:xfrm>
+          <a:prstGeom prst="line">
+            <a:avLst/>
+          </a:prstGeom>
+          <a:ln>
+            <a:solidFill>
+              <a:srgbClr val="FF0000"/>
+            </a:solidFill>
+          </a:ln>
+        </p:spPr>
+        <p:style>
+          <a:lnRef idx="2">
+            <a:schemeClr val="accent1"/>
+          </a:lnRef>
+          <a:fillRef idx="0">
+            <a:schemeClr val="accent1"/>
+          </a:fillRef>
+          <a:effectRef idx="1">
+            <a:schemeClr val="accent1"/>
+          </a:effectRef>
+          <a:fontRef idx="minor">
+            <a:schemeClr val="tx1"/>
+          </a:fontRef>
+        </p:style>
+      </p:cxnSp>
+      <p:sp>
+        <p:nvSpPr>
+          <p:cNvPr id="11" name="テキスト ボックス 10">
+            <a:extLst>
+              <a:ext uri="{FF2B5EF4-FFF2-40B4-BE49-F238E27FC236}">
+                <a16:creationId xmlns:a16="http://schemas.microsoft.com/office/drawing/2014/main" id="{B275E9E7-4E7B-7986-7643-3639172C283A}"/>
+              </a:ext>
+            </a:extLst>
+          </p:cNvPr>
+          <p:cNvSpPr txBox="1"/>
+          <p:nvPr/>
+        </p:nvSpPr>
+        <p:spPr>
+          <a:xfrm>
+            <a:off x="6074366" y="3680415"/>
+            <a:ext cx="1064880" cy="369332"/>
+          </a:xfrm>
+          <a:prstGeom prst="rect">
+            <a:avLst/>
+          </a:prstGeom>
+          <a:noFill/>
+        </p:spPr>
+        <p:txBody>
+          <a:bodyPr wrap="square" rtlCol="0">
+            <a:spAutoFit/>
+          </a:bodyPr>
+          <a:lstStyle/>
+          <a:p>
+            <a:r>
+              <a:rPr kumimoji="1" lang="en-US" altLang="ja-JP" dirty="0"/>
+              <a:t>0.825</a:t>
+            </a:r>
+            <a:endParaRPr kumimoji="1" lang="ja-JP" altLang="en-US" dirty="0"/>
+          </a:p>
+        </p:txBody>
+      </p:sp>
+      <p:cxnSp>
+        <p:nvCxnSpPr>
+          <p:cNvPr id="15" name="直線コネクタ 14">
+            <a:extLst>
+              <a:ext uri="{FF2B5EF4-FFF2-40B4-BE49-F238E27FC236}">
+                <a16:creationId xmlns:a16="http://schemas.microsoft.com/office/drawing/2014/main" id="{EC7ACBCD-8D9A-A95E-5B88-D4408BAC0EDB}"/>
+              </a:ext>
+            </a:extLst>
+          </p:cNvPr>
+          <p:cNvCxnSpPr/>
+          <p:nvPr/>
+        </p:nvCxnSpPr>
+        <p:spPr>
+          <a:xfrm flipH="1">
+            <a:off x="7875427" y="3595722"/>
+            <a:ext cx="297712" cy="0"/>
+          </a:xfrm>
+          <a:prstGeom prst="line">
+            <a:avLst/>
+          </a:prstGeom>
+          <a:ln>
+            <a:solidFill>
+              <a:srgbClr val="FF0000"/>
+            </a:solidFill>
+          </a:ln>
+        </p:spPr>
+        <p:style>
+          <a:lnRef idx="2">
+            <a:schemeClr val="accent1"/>
+          </a:lnRef>
+          <a:fillRef idx="0">
+            <a:schemeClr val="accent1"/>
+          </a:fillRef>
+          <a:effectRef idx="1">
+            <a:schemeClr val="accent1"/>
+          </a:effectRef>
+          <a:fontRef idx="minor">
+            <a:schemeClr val="tx1"/>
+          </a:fontRef>
+        </p:style>
+      </p:cxnSp>
+      <p:sp>
+        <p:nvSpPr>
+          <p:cNvPr id="16" name="テキスト ボックス 15">
+            <a:extLst>
+              <a:ext uri="{FF2B5EF4-FFF2-40B4-BE49-F238E27FC236}">
+                <a16:creationId xmlns:a16="http://schemas.microsoft.com/office/drawing/2014/main" id="{89194AF1-F14F-E41F-2FA1-B7E10F576AA8}"/>
+              </a:ext>
+            </a:extLst>
+          </p:cNvPr>
+          <p:cNvSpPr txBox="1"/>
+          <p:nvPr/>
+        </p:nvSpPr>
+        <p:spPr>
+          <a:xfrm>
+            <a:off x="7765238" y="3680415"/>
+            <a:ext cx="1064880" cy="369332"/>
+          </a:xfrm>
+          <a:prstGeom prst="rect">
+            <a:avLst/>
+          </a:prstGeom>
+          <a:noFill/>
+        </p:spPr>
+        <p:txBody>
+          <a:bodyPr wrap="square" rtlCol="0">
+            <a:spAutoFit/>
+          </a:bodyPr>
+          <a:lstStyle/>
+          <a:p>
+            <a:r>
+              <a:rPr kumimoji="1" lang="en-US" altLang="ja-JP" dirty="0"/>
+              <a:t>0.880</a:t>
+            </a:r>
+            <a:endParaRPr kumimoji="1" lang="ja-JP" altLang="en-US" dirty="0"/>
+          </a:p>
+        </p:txBody>
+      </p:sp>
       <p:pic>
         <p:nvPicPr>
-          <p:cNvPr id="6" name="図 5">
+          <p:cNvPr id="18" name="図 17">
             <a:extLst>
               <a:ext uri="{FF2B5EF4-FFF2-40B4-BE49-F238E27FC236}">
-                <a16:creationId xmlns:a16="http://schemas.microsoft.com/office/drawing/2014/main" id="{ECBE9124-779D-F530-46D8-B0FA50503694}"/>
+                <a16:creationId xmlns:a16="http://schemas.microsoft.com/office/drawing/2014/main" id="{B679D8E0-DA7D-C257-15FE-6D8F738F4629}"/>
               </a:ext>
             </a:extLst>
           </p:cNvPr>
@@ -6680,146 +7039,14 @@
         </p:blipFill>
         <p:spPr>
           <a:xfrm>
-            <a:off x="313882" y="2907501"/>
-            <a:ext cx="8248650" cy="1504950"/>
+            <a:off x="628650" y="1318587"/>
+            <a:ext cx="3805127" cy="1576970"/>
           </a:xfrm>
           <a:prstGeom prst="rect">
             <a:avLst/>
           </a:prstGeom>
         </p:spPr>
       </p:pic>
-      <p:sp>
-        <p:nvSpPr>
-          <p:cNvPr id="7" name="テキスト ボックス 6">
-            <a:extLst>
-              <a:ext uri="{FF2B5EF4-FFF2-40B4-BE49-F238E27FC236}">
-                <a16:creationId xmlns:a16="http://schemas.microsoft.com/office/drawing/2014/main" id="{77FDD5F0-6725-9573-08E2-4BB4087854D7}"/>
-              </a:ext>
-            </a:extLst>
-          </p:cNvPr>
-          <p:cNvSpPr txBox="1"/>
-          <p:nvPr/>
-        </p:nvSpPr>
-        <p:spPr>
-          <a:xfrm>
-            <a:off x="313882" y="4528235"/>
-            <a:ext cx="8248650" cy="2031325"/>
-          </a:xfrm>
-          <a:prstGeom prst="rect">
-            <a:avLst/>
-          </a:prstGeom>
-          <a:noFill/>
-        </p:spPr>
-        <p:txBody>
-          <a:bodyPr wrap="square" rtlCol="0">
-            <a:spAutoFit/>
-          </a:bodyPr>
-          <a:lstStyle/>
-          <a:p>
-            <a:r>
-              <a:rPr kumimoji="1" lang="ja-JP" altLang="en-US" dirty="0"/>
-              <a:t>シミュレーションの値と理論値では、特に</a:t>
-            </a:r>
-            <a:r>
-              <a:rPr kumimoji="1" lang="en-US" altLang="ja-JP" dirty="0"/>
-              <a:t>14’h1fff</a:t>
-            </a:r>
-            <a:r>
-              <a:rPr kumimoji="1" lang="ja-JP" altLang="en-US" dirty="0"/>
-              <a:t>の差が大きい</a:t>
-            </a:r>
-            <a:r>
-              <a:rPr kumimoji="1" lang="en-US" altLang="ja-JP" dirty="0"/>
-              <a:t>(</a:t>
-            </a:r>
-            <a:r>
-              <a:rPr kumimoji="1" lang="ja-JP" altLang="en-US" dirty="0"/>
-              <a:t>約</a:t>
-            </a:r>
-            <a:r>
-              <a:rPr kumimoji="1" lang="en-US" altLang="ja-JP" dirty="0"/>
-              <a:t>0.1V)</a:t>
-            </a:r>
-          </a:p>
-          <a:p>
-            <a:r>
-              <a:rPr kumimoji="1" lang="en-US" altLang="ja-JP" dirty="0"/>
-              <a:t>DAC</a:t>
-            </a:r>
-            <a:r>
-              <a:rPr kumimoji="1" lang="ja-JP" altLang="en-US" dirty="0"/>
-              <a:t>出力の理論値との差は</a:t>
-            </a:r>
-            <a:r>
-              <a:rPr kumimoji="1" lang="en-US" altLang="ja-JP" dirty="0"/>
-              <a:t>±(1/2)LSB</a:t>
-            </a:r>
-            <a:r>
-              <a:rPr kumimoji="1" lang="ja-JP" altLang="en-US" dirty="0"/>
-              <a:t>でなくてはならない。</a:t>
-            </a:r>
-            <a:endParaRPr kumimoji="1" lang="en-US" altLang="ja-JP" dirty="0"/>
-          </a:p>
-          <a:p>
-            <a:r>
-              <a:rPr kumimoji="1" lang="en-US" altLang="ja-JP" dirty="0"/>
-              <a:t>14bit</a:t>
-            </a:r>
-            <a:r>
-              <a:rPr kumimoji="1" lang="ja-JP" altLang="en-US" dirty="0"/>
-              <a:t>なので、</a:t>
-            </a:r>
-            <a:r>
-              <a:rPr kumimoji="1" lang="en-US" altLang="ja-JP" dirty="0"/>
-              <a:t>LSB=3.3/2^14=0.0002014V=0.2mV</a:t>
-            </a:r>
-          </a:p>
-          <a:p>
-            <a:r>
-              <a:rPr kumimoji="1" lang="ja-JP" altLang="en-US" dirty="0"/>
-              <a:t>よって、許容誤差は</a:t>
-            </a:r>
-            <a:r>
-              <a:rPr kumimoji="1" lang="en-US" altLang="ja-JP" dirty="0"/>
-              <a:t>0.1mV</a:t>
-            </a:r>
-            <a:r>
-              <a:rPr kumimoji="1" lang="ja-JP" altLang="en-US" dirty="0"/>
-              <a:t>である。</a:t>
-            </a:r>
-            <a:endParaRPr kumimoji="1" lang="en-US" altLang="ja-JP" dirty="0"/>
-          </a:p>
-          <a:p>
-            <a:r>
-              <a:rPr kumimoji="1" lang="ja-JP" altLang="en-US" dirty="0"/>
-              <a:t>そのため、まだ</a:t>
-            </a:r>
-            <a:r>
-              <a:rPr kumimoji="1" lang="en-US" altLang="ja-JP" dirty="0"/>
-              <a:t>14bit</a:t>
-            </a:r>
-            <a:r>
-              <a:rPr kumimoji="1" lang="ja-JP" altLang="en-US" dirty="0"/>
-              <a:t>の精度が実現できているとは言えない。</a:t>
-            </a:r>
-            <a:endParaRPr kumimoji="1" lang="en-US" altLang="ja-JP" dirty="0"/>
-          </a:p>
-          <a:p>
-            <a:r>
-              <a:rPr kumimoji="1" lang="ja-JP" altLang="en-US" dirty="0"/>
-              <a:t>原因考察：・容量が小さすぎて寄生容量の影響を受けている</a:t>
-            </a:r>
-            <a:endParaRPr kumimoji="1" lang="en-US" altLang="ja-JP" dirty="0"/>
-          </a:p>
-          <a:p>
-            <a:r>
-              <a:rPr kumimoji="1" lang="ja-JP" altLang="en-US" dirty="0"/>
-              <a:t>　　　　　・スイッチのオン抵抗がキャパシタによって違うため</a:t>
-            </a:r>
-            <a:endParaRPr kumimoji="1" lang="en-US" altLang="ja-JP" dirty="0"/>
-          </a:p>
-        </p:txBody>
-      </p:sp>
     </p:spTree>
     <p:extLst>
       <p:ext uri="{BB962C8B-B14F-4D97-AF65-F5344CB8AC3E}">

--- a/LR課題_報告書.pptx
+++ b/LR課題_報告書.pptx
@@ -6671,8 +6671,8 @@
         </p:nvSpPr>
         <p:spPr>
           <a:xfrm>
-            <a:off x="313882" y="4528235"/>
-            <a:ext cx="8248650" cy="2031325"/>
+            <a:off x="313882" y="4481327"/>
+            <a:ext cx="8248650" cy="2308324"/>
           </a:xfrm>
           <a:prstGeom prst="rect">
             <a:avLst/>
@@ -6691,7 +6691,7 @@
             </a:r>
             <a:r>
               <a:rPr kumimoji="1" lang="en-US" altLang="ja-JP" dirty="0"/>
-              <a:t>0.003</a:t>
+              <a:t>3</a:t>
             </a:r>
             <a:r>
               <a:rPr kumimoji="1" lang="ja-JP" altLang="en-US" dirty="0"/>
@@ -6699,11 +6699,11 @@
             </a:r>
             <a:r>
               <a:rPr kumimoji="1" lang="en-US" altLang="ja-JP" dirty="0"/>
-              <a:t>5V</a:t>
+              <a:t>5mV</a:t>
             </a:r>
             <a:r>
               <a:rPr kumimoji="1" lang="ja-JP" altLang="en-US" dirty="0"/>
-              <a:t>程度の誤差がある</a:t>
+              <a:t>程度の誤差がある。</a:t>
             </a:r>
             <a:endParaRPr kumimoji="1" lang="en-US" altLang="ja-JP" dirty="0"/>
           </a:p>
@@ -6747,7 +6747,7 @@
             </a:r>
             <a:r>
               <a:rPr kumimoji="1" lang="en-US" altLang="ja-JP" dirty="0"/>
-              <a:t>0.1mV</a:t>
+              <a:t>±0.1mV</a:t>
             </a:r>
             <a:r>
               <a:rPr kumimoji="1" lang="ja-JP" altLang="en-US" dirty="0"/>
@@ -6781,6 +6781,13 @@
             <a:r>
               <a:rPr kumimoji="1" lang="ja-JP" altLang="en-US" dirty="0"/>
               <a:t>　　　　　・スイッチのオン抵抗がキャパシタによって違うため</a:t>
+            </a:r>
+            <a:endParaRPr kumimoji="1" lang="en-US" altLang="ja-JP" dirty="0"/>
+          </a:p>
+          <a:p>
+            <a:r>
+              <a:rPr kumimoji="1" lang="ja-JP" altLang="en-US" dirty="0"/>
+              <a:t>（全ての出力が小さくなっているので、歪みは少ない可能性？）</a:t>
             </a:r>
             <a:endParaRPr kumimoji="1" lang="en-US" altLang="ja-JP" dirty="0"/>
           </a:p>

--- a/LR課題_報告書.pptx
+++ b/LR課題_報告書.pptx
@@ -202,7 +202,7 @@
           <a:p>
             <a:fld id="{66ACDD5D-B1DA-41D5-BDCC-0CD3ED21216D}" type="datetimeFigureOut">
               <a:rPr kumimoji="1" lang="ja-JP" altLang="en-US" smtClean="0"/>
-              <a:t>2025/9/1</a:t>
+              <a:t>2025/9/9</a:t>
             </a:fld>
             <a:endParaRPr kumimoji="1" lang="ja-JP" altLang="en-US"/>
           </a:p>
@@ -632,7 +632,7 @@
           <a:p>
             <a:fld id="{BEB6DE0F-DDD1-48A0-85CE-78DDB9A24363}" type="datetime1">
               <a:rPr kumimoji="1" lang="ja-JP" altLang="en-US" smtClean="0"/>
-              <a:t>2025/9/1</a:t>
+              <a:t>2025/9/9</a:t>
             </a:fld>
             <a:endParaRPr kumimoji="1" lang="ja-JP" altLang="en-US"/>
           </a:p>
@@ -834,7 +834,7 @@
           <a:p>
             <a:fld id="{F2849DD0-1F8B-4C43-85C5-AD2A31030B86}" type="datetime1">
               <a:rPr kumimoji="1" lang="ja-JP" altLang="en-US" smtClean="0"/>
-              <a:t>2025/9/1</a:t>
+              <a:t>2025/9/9</a:t>
             </a:fld>
             <a:endParaRPr kumimoji="1" lang="ja-JP" altLang="en-US"/>
           </a:p>
@@ -1046,7 +1046,7 @@
           <a:p>
             <a:fld id="{8F8786AA-2901-4744-A2CB-B4FA2F4267D5}" type="datetime1">
               <a:rPr kumimoji="1" lang="ja-JP" altLang="en-US" smtClean="0"/>
-              <a:t>2025/9/1</a:t>
+              <a:t>2025/9/9</a:t>
             </a:fld>
             <a:endParaRPr kumimoji="1" lang="ja-JP" altLang="en-US"/>
           </a:p>
@@ -1248,7 +1248,7 @@
           <a:p>
             <a:fld id="{D03678CE-EC2A-4415-BF7B-1939AEC98719}" type="datetime1">
               <a:rPr kumimoji="1" lang="ja-JP" altLang="en-US" smtClean="0"/>
-              <a:t>2025/9/1</a:t>
+              <a:t>2025/9/9</a:t>
             </a:fld>
             <a:endParaRPr kumimoji="1" lang="ja-JP" altLang="en-US"/>
           </a:p>
@@ -1494,7 +1494,7 @@
           <a:p>
             <a:fld id="{E608D7E2-3643-4E88-8125-61512DAD9D99}" type="datetime1">
               <a:rPr kumimoji="1" lang="ja-JP" altLang="en-US" smtClean="0"/>
-              <a:t>2025/9/1</a:t>
+              <a:t>2025/9/9</a:t>
             </a:fld>
             <a:endParaRPr kumimoji="1" lang="ja-JP" altLang="en-US"/>
           </a:p>
@@ -1790,7 +1790,7 @@
           <a:p>
             <a:fld id="{640F3409-09A2-4767-821C-462C2851C534}" type="datetime1">
               <a:rPr kumimoji="1" lang="ja-JP" altLang="en-US" smtClean="0"/>
-              <a:t>2025/9/1</a:t>
+              <a:t>2025/9/9</a:t>
             </a:fld>
             <a:endParaRPr kumimoji="1" lang="ja-JP" altLang="en-US"/>
           </a:p>
@@ -2221,7 +2221,7 @@
           <a:p>
             <a:fld id="{3EF29C1D-AB04-4427-914C-EF16AAB3BA5F}" type="datetime1">
               <a:rPr kumimoji="1" lang="ja-JP" altLang="en-US" smtClean="0"/>
-              <a:t>2025/9/1</a:t>
+              <a:t>2025/9/9</a:t>
             </a:fld>
             <a:endParaRPr kumimoji="1" lang="ja-JP" altLang="en-US"/>
           </a:p>
@@ -2339,7 +2339,7 @@
           <a:p>
             <a:fld id="{0A639142-2650-406D-A6CE-9FC05E15EA6A}" type="datetime1">
               <a:rPr kumimoji="1" lang="ja-JP" altLang="en-US" smtClean="0"/>
-              <a:t>2025/9/1</a:t>
+              <a:t>2025/9/9</a:t>
             </a:fld>
             <a:endParaRPr kumimoji="1" lang="ja-JP" altLang="en-US"/>
           </a:p>
@@ -2434,7 +2434,7 @@
           <a:p>
             <a:fld id="{A56CE6DB-90BD-4E37-BAC0-E78CA767D59C}" type="datetime1">
               <a:rPr kumimoji="1" lang="ja-JP" altLang="en-US" smtClean="0"/>
-              <a:t>2025/9/1</a:t>
+              <a:t>2025/9/9</a:t>
             </a:fld>
             <a:endParaRPr kumimoji="1" lang="ja-JP" altLang="en-US"/>
           </a:p>
@@ -2743,7 +2743,7 @@
           <a:p>
             <a:fld id="{35D20D12-7162-40A9-8EBF-8DEF14860BCD}" type="datetime1">
               <a:rPr kumimoji="1" lang="ja-JP" altLang="en-US" smtClean="0"/>
-              <a:t>2025/9/1</a:t>
+              <a:t>2025/9/9</a:t>
             </a:fld>
             <a:endParaRPr kumimoji="1" lang="ja-JP" altLang="en-US"/>
           </a:p>
@@ -3000,7 +3000,7 @@
           <a:p>
             <a:fld id="{5E822450-8B50-431D-83B6-EF7C055E31F8}" type="datetime1">
               <a:rPr kumimoji="1" lang="ja-JP" altLang="en-US" smtClean="0"/>
-              <a:t>2025/9/1</a:t>
+              <a:t>2025/9/9</a:t>
             </a:fld>
             <a:endParaRPr kumimoji="1" lang="ja-JP" altLang="en-US"/>
           </a:p>
@@ -3245,7 +3245,7 @@
           <a:p>
             <a:fld id="{72C61265-099D-4417-8838-3FFA2CE68360}" type="datetime1">
               <a:rPr kumimoji="1" lang="ja-JP" altLang="en-US" smtClean="0"/>
-              <a:t>2025/9/1</a:t>
+              <a:t>2025/9/9</a:t>
             </a:fld>
             <a:endParaRPr kumimoji="1" lang="ja-JP" altLang="en-US"/>
           </a:p>
